--- a/jspsych-5.0.3-fruit/Shapes/shapes.pptx
+++ b/jspsych-5.0.3-fruit/Shapes/shapes.pptx
@@ -290,7 +290,7 @@
           <a:p>
             <a:fld id="{44842240-E465-834C-976F-9B8A9867CDD6}" type="datetimeFigureOut">
               <a:rPr lang="en-US" smtClean="0"/>
-              <a:t>5/29/19</a:t>
+              <a:t>6/17/19</a:t>
             </a:fld>
             <a:endParaRPr lang="en-US"/>
           </a:p>
@@ -460,7 +460,7 @@
           <a:p>
             <a:fld id="{44842240-E465-834C-976F-9B8A9867CDD6}" type="datetimeFigureOut">
               <a:rPr lang="en-US" smtClean="0"/>
-              <a:t>5/29/19</a:t>
+              <a:t>6/17/19</a:t>
             </a:fld>
             <a:endParaRPr lang="en-US"/>
           </a:p>
@@ -640,7 +640,7 @@
           <a:p>
             <a:fld id="{44842240-E465-834C-976F-9B8A9867CDD6}" type="datetimeFigureOut">
               <a:rPr lang="en-US" smtClean="0"/>
-              <a:t>5/29/19</a:t>
+              <a:t>6/17/19</a:t>
             </a:fld>
             <a:endParaRPr lang="en-US"/>
           </a:p>
@@ -810,7 +810,7 @@
           <a:p>
             <a:fld id="{44842240-E465-834C-976F-9B8A9867CDD6}" type="datetimeFigureOut">
               <a:rPr lang="en-US" smtClean="0"/>
-              <a:t>5/29/19</a:t>
+              <a:t>6/17/19</a:t>
             </a:fld>
             <a:endParaRPr lang="en-US"/>
           </a:p>
@@ -1056,7 +1056,7 @@
           <a:p>
             <a:fld id="{44842240-E465-834C-976F-9B8A9867CDD6}" type="datetimeFigureOut">
               <a:rPr lang="en-US" smtClean="0"/>
-              <a:t>5/29/19</a:t>
+              <a:t>6/17/19</a:t>
             </a:fld>
             <a:endParaRPr lang="en-US"/>
           </a:p>
@@ -1344,7 +1344,7 @@
           <a:p>
             <a:fld id="{44842240-E465-834C-976F-9B8A9867CDD6}" type="datetimeFigureOut">
               <a:rPr lang="en-US" smtClean="0"/>
-              <a:t>5/29/19</a:t>
+              <a:t>6/17/19</a:t>
             </a:fld>
             <a:endParaRPr lang="en-US"/>
           </a:p>
@@ -1766,7 +1766,7 @@
           <a:p>
             <a:fld id="{44842240-E465-834C-976F-9B8A9867CDD6}" type="datetimeFigureOut">
               <a:rPr lang="en-US" smtClean="0"/>
-              <a:t>5/29/19</a:t>
+              <a:t>6/17/19</a:t>
             </a:fld>
             <a:endParaRPr lang="en-US"/>
           </a:p>
@@ -1884,7 +1884,7 @@
           <a:p>
             <a:fld id="{44842240-E465-834C-976F-9B8A9867CDD6}" type="datetimeFigureOut">
               <a:rPr lang="en-US" smtClean="0"/>
-              <a:t>5/29/19</a:t>
+              <a:t>6/17/19</a:t>
             </a:fld>
             <a:endParaRPr lang="en-US"/>
           </a:p>
@@ -1979,7 +1979,7 @@
           <a:p>
             <a:fld id="{44842240-E465-834C-976F-9B8A9867CDD6}" type="datetimeFigureOut">
               <a:rPr lang="en-US" smtClean="0"/>
-              <a:t>5/29/19</a:t>
+              <a:t>6/17/19</a:t>
             </a:fld>
             <a:endParaRPr lang="en-US"/>
           </a:p>
@@ -2256,7 +2256,7 @@
           <a:p>
             <a:fld id="{44842240-E465-834C-976F-9B8A9867CDD6}" type="datetimeFigureOut">
               <a:rPr lang="en-US" smtClean="0"/>
-              <a:t>5/29/19</a:t>
+              <a:t>6/17/19</a:t>
             </a:fld>
             <a:endParaRPr lang="en-US"/>
           </a:p>
@@ -2509,7 +2509,7 @@
           <a:p>
             <a:fld id="{44842240-E465-834C-976F-9B8A9867CDD6}" type="datetimeFigureOut">
               <a:rPr lang="en-US" smtClean="0"/>
-              <a:t>5/29/19</a:t>
+              <a:t>6/17/19</a:t>
             </a:fld>
             <a:endParaRPr lang="en-US"/>
           </a:p>
@@ -2722,7 +2722,7 @@
           <a:p>
             <a:fld id="{44842240-E465-834C-976F-9B8A9867CDD6}" type="datetimeFigureOut">
               <a:rPr lang="en-US" smtClean="0"/>
-              <a:t>5/29/19</a:t>
+              <a:t>6/17/19</a:t>
             </a:fld>
             <a:endParaRPr lang="en-US"/>
           </a:p>
@@ -3105,8 +3105,8 @@
         </p:nvSpPr>
         <p:spPr>
           <a:xfrm>
-            <a:off x="1683579" y="2401111"/>
-            <a:ext cx="1535897" cy="1535759"/>
+            <a:off x="1683579" y="1444074"/>
+            <a:ext cx="1024275" cy="957038"/>
           </a:xfrm>
           <a:prstGeom prst="triangle">
             <a:avLst/>
@@ -3151,8 +3151,8 @@
         </p:nvSpPr>
         <p:spPr>
           <a:xfrm>
-            <a:off x="3371876" y="2401111"/>
-            <a:ext cx="1535897" cy="1535759"/>
+            <a:off x="3371876" y="1444074"/>
+            <a:ext cx="1024275" cy="957038"/>
           </a:xfrm>
           <a:prstGeom prst="triangle">
             <a:avLst/>
@@ -3197,8 +3197,8 @@
         </p:nvSpPr>
         <p:spPr>
           <a:xfrm>
-            <a:off x="5045609" y="2401111"/>
-            <a:ext cx="1535897" cy="1535760"/>
+            <a:off x="5045609" y="1444073"/>
+            <a:ext cx="1024275" cy="957039"/>
           </a:xfrm>
           <a:prstGeom prst="triangle">
             <a:avLst/>
@@ -3243,8 +3243,8 @@
         </p:nvSpPr>
         <p:spPr>
           <a:xfrm>
-            <a:off x="1683579" y="4371005"/>
-            <a:ext cx="1535897" cy="1535759"/>
+            <a:off x="1683579" y="2589493"/>
+            <a:ext cx="1024275" cy="957038"/>
           </a:xfrm>
           <a:prstGeom prst="ellipse">
             <a:avLst/>
@@ -3289,8 +3289,8 @@
         </p:nvSpPr>
         <p:spPr>
           <a:xfrm>
-            <a:off x="3371876" y="4371005"/>
-            <a:ext cx="1535897" cy="1535759"/>
+            <a:off x="3371876" y="2589493"/>
+            <a:ext cx="1024275" cy="957038"/>
           </a:xfrm>
           <a:prstGeom prst="ellipse">
             <a:avLst/>
@@ -3335,8 +3335,8 @@
         </p:nvSpPr>
         <p:spPr>
           <a:xfrm>
-            <a:off x="5045609" y="4371005"/>
-            <a:ext cx="1535897" cy="1535759"/>
+            <a:off x="5045609" y="2589493"/>
+            <a:ext cx="1024275" cy="957038"/>
           </a:xfrm>
           <a:prstGeom prst="ellipse">
             <a:avLst/>
@@ -3381,8 +3381,8 @@
         </p:nvSpPr>
         <p:spPr>
           <a:xfrm>
-            <a:off x="1683579" y="317255"/>
-            <a:ext cx="1535897" cy="1535759"/>
+            <a:off x="1683579" y="317256"/>
+            <a:ext cx="1024275" cy="957038"/>
           </a:xfrm>
           <a:prstGeom prst="pentagon">
             <a:avLst/>
@@ -3427,8 +3427,8 @@
         </p:nvSpPr>
         <p:spPr>
           <a:xfrm>
-            <a:off x="3371876" y="317255"/>
-            <a:ext cx="1535897" cy="1535759"/>
+            <a:off x="3371876" y="317256"/>
+            <a:ext cx="1024275" cy="957038"/>
           </a:xfrm>
           <a:prstGeom prst="pentagon">
             <a:avLst/>
@@ -3473,14 +3473,336 @@
         </p:nvSpPr>
         <p:spPr>
           <a:xfrm>
-            <a:off x="5045609" y="317255"/>
-            <a:ext cx="1535897" cy="1535759"/>
+            <a:off x="5045609" y="317256"/>
+            <a:ext cx="1024275" cy="957038"/>
           </a:xfrm>
           <a:prstGeom prst="pentagon">
             <a:avLst/>
           </a:prstGeom>
           <a:solidFill>
             <a:srgbClr val="008000"/>
+          </a:solidFill>
+          <a:ln>
+            <a:solidFill>
+              <a:srgbClr val="000000"/>
+            </a:solidFill>
+          </a:ln>
+        </p:spPr>
+        <p:style>
+          <a:lnRef idx="1">
+            <a:schemeClr val="accent1"/>
+          </a:lnRef>
+          <a:fillRef idx="3">
+            <a:schemeClr val="accent1"/>
+          </a:fillRef>
+          <a:effectRef idx="2">
+            <a:schemeClr val="accent1"/>
+          </a:effectRef>
+          <a:fontRef idx="minor">
+            <a:schemeClr val="lt1"/>
+          </a:fontRef>
+        </p:style>
+        <p:txBody>
+          <a:bodyPr rtlCol="0" anchor="ctr"/>
+          <a:lstStyle/>
+          <a:p>
+            <a:pPr algn="ctr"/>
+            <a:endParaRPr lang="en-US"/>
+          </a:p>
+        </p:txBody>
+      </p:sp>
+      <p:sp>
+        <p:nvSpPr>
+          <p:cNvPr id="5" name="Parallelogram 4"/>
+          <p:cNvSpPr/>
+          <p:nvPr/>
+        </p:nvSpPr>
+        <p:spPr>
+          <a:xfrm>
+            <a:off x="1683579" y="3876141"/>
+            <a:ext cx="1024275" cy="957038"/>
+          </a:xfrm>
+          <a:prstGeom prst="parallelogram">
+            <a:avLst/>
+          </a:prstGeom>
+          <a:solidFill>
+            <a:srgbClr val="FF0000"/>
+          </a:solidFill>
+          <a:ln>
+            <a:solidFill>
+              <a:schemeClr val="tx1"/>
+            </a:solidFill>
+          </a:ln>
+        </p:spPr>
+        <p:style>
+          <a:lnRef idx="1">
+            <a:schemeClr val="accent1"/>
+          </a:lnRef>
+          <a:fillRef idx="3">
+            <a:schemeClr val="accent1"/>
+          </a:fillRef>
+          <a:effectRef idx="2">
+            <a:schemeClr val="accent1"/>
+          </a:effectRef>
+          <a:fontRef idx="minor">
+            <a:schemeClr val="lt1"/>
+          </a:fontRef>
+        </p:style>
+        <p:txBody>
+          <a:bodyPr rtlCol="0" anchor="ctr"/>
+          <a:lstStyle/>
+          <a:p>
+            <a:pPr algn="ctr"/>
+            <a:endParaRPr lang="en-US"/>
+          </a:p>
+        </p:txBody>
+      </p:sp>
+      <p:sp>
+        <p:nvSpPr>
+          <p:cNvPr id="15" name="Parallelogram 14"/>
+          <p:cNvSpPr/>
+          <p:nvPr/>
+        </p:nvSpPr>
+        <p:spPr>
+          <a:xfrm>
+            <a:off x="3371876" y="3876141"/>
+            <a:ext cx="1024275" cy="957038"/>
+          </a:xfrm>
+          <a:prstGeom prst="parallelogram">
+            <a:avLst/>
+          </a:prstGeom>
+          <a:solidFill>
+            <a:srgbClr val="FFFF00"/>
+          </a:solidFill>
+          <a:ln>
+            <a:solidFill>
+              <a:schemeClr val="tx1"/>
+            </a:solidFill>
+          </a:ln>
+        </p:spPr>
+        <p:style>
+          <a:lnRef idx="1">
+            <a:schemeClr val="accent1"/>
+          </a:lnRef>
+          <a:fillRef idx="3">
+            <a:schemeClr val="accent1"/>
+          </a:fillRef>
+          <a:effectRef idx="2">
+            <a:schemeClr val="accent1"/>
+          </a:effectRef>
+          <a:fontRef idx="minor">
+            <a:schemeClr val="lt1"/>
+          </a:fontRef>
+        </p:style>
+        <p:txBody>
+          <a:bodyPr rtlCol="0" anchor="ctr"/>
+          <a:lstStyle/>
+          <a:p>
+            <a:pPr algn="ctr"/>
+            <a:endParaRPr lang="en-US"/>
+          </a:p>
+        </p:txBody>
+      </p:sp>
+      <p:sp>
+        <p:nvSpPr>
+          <p:cNvPr id="16" name="Parallelogram 15"/>
+          <p:cNvSpPr/>
+          <p:nvPr/>
+        </p:nvSpPr>
+        <p:spPr>
+          <a:xfrm>
+            <a:off x="5045609" y="3876141"/>
+            <a:ext cx="1024275" cy="957038"/>
+          </a:xfrm>
+          <a:prstGeom prst="parallelogram">
+            <a:avLst/>
+          </a:prstGeom>
+          <a:solidFill>
+            <a:srgbClr val="008000"/>
+          </a:solidFill>
+          <a:ln>
+            <a:solidFill>
+              <a:schemeClr val="tx1"/>
+            </a:solidFill>
+          </a:ln>
+        </p:spPr>
+        <p:style>
+          <a:lnRef idx="1">
+            <a:schemeClr val="accent1"/>
+          </a:lnRef>
+          <a:fillRef idx="3">
+            <a:schemeClr val="accent1"/>
+          </a:fillRef>
+          <a:effectRef idx="2">
+            <a:schemeClr val="accent1"/>
+          </a:effectRef>
+          <a:fontRef idx="minor">
+            <a:schemeClr val="lt1"/>
+          </a:fontRef>
+        </p:style>
+        <p:txBody>
+          <a:bodyPr rtlCol="0" anchor="ctr"/>
+          <a:lstStyle/>
+          <a:p>
+            <a:pPr algn="ctr"/>
+            <a:endParaRPr lang="en-US"/>
+          </a:p>
+        </p:txBody>
+      </p:sp>
+      <p:sp>
+        <p:nvSpPr>
+          <p:cNvPr id="17" name="Parallelogram 16"/>
+          <p:cNvSpPr/>
+          <p:nvPr/>
+        </p:nvSpPr>
+        <p:spPr>
+          <a:xfrm>
+            <a:off x="6701782" y="3876141"/>
+            <a:ext cx="1024275" cy="957038"/>
+          </a:xfrm>
+          <a:prstGeom prst="parallelogram">
+            <a:avLst/>
+          </a:prstGeom>
+          <a:solidFill>
+            <a:srgbClr val="0000FF"/>
+          </a:solidFill>
+          <a:ln>
+            <a:solidFill>
+              <a:schemeClr val="tx1"/>
+            </a:solidFill>
+          </a:ln>
+        </p:spPr>
+        <p:style>
+          <a:lnRef idx="1">
+            <a:schemeClr val="accent1"/>
+          </a:lnRef>
+          <a:fillRef idx="3">
+            <a:schemeClr val="accent1"/>
+          </a:fillRef>
+          <a:effectRef idx="2">
+            <a:schemeClr val="accent1"/>
+          </a:effectRef>
+          <a:fontRef idx="minor">
+            <a:schemeClr val="lt1"/>
+          </a:fontRef>
+        </p:style>
+        <p:txBody>
+          <a:bodyPr rtlCol="0" anchor="ctr"/>
+          <a:lstStyle/>
+          <a:p>
+            <a:pPr algn="ctr"/>
+            <a:endParaRPr lang="en-US"/>
+          </a:p>
+        </p:txBody>
+      </p:sp>
+      <p:sp>
+        <p:nvSpPr>
+          <p:cNvPr id="18" name="Isosceles Triangle 17"/>
+          <p:cNvSpPr/>
+          <p:nvPr/>
+        </p:nvSpPr>
+        <p:spPr>
+          <a:xfrm>
+            <a:off x="6701782" y="1426694"/>
+            <a:ext cx="1024275" cy="957039"/>
+          </a:xfrm>
+          <a:prstGeom prst="triangle">
+            <a:avLst/>
+          </a:prstGeom>
+          <a:solidFill>
+            <a:srgbClr val="0000FF"/>
+          </a:solidFill>
+          <a:ln>
+            <a:solidFill>
+              <a:srgbClr val="000000"/>
+            </a:solidFill>
+          </a:ln>
+        </p:spPr>
+        <p:style>
+          <a:lnRef idx="1">
+            <a:schemeClr val="accent1"/>
+          </a:lnRef>
+          <a:fillRef idx="3">
+            <a:schemeClr val="accent1"/>
+          </a:fillRef>
+          <a:effectRef idx="2">
+            <a:schemeClr val="accent1"/>
+          </a:effectRef>
+          <a:fontRef idx="minor">
+            <a:schemeClr val="lt1"/>
+          </a:fontRef>
+        </p:style>
+        <p:txBody>
+          <a:bodyPr rtlCol="0" anchor="ctr"/>
+          <a:lstStyle/>
+          <a:p>
+            <a:pPr algn="ctr"/>
+            <a:endParaRPr lang="en-US"/>
+          </a:p>
+        </p:txBody>
+      </p:sp>
+      <p:sp>
+        <p:nvSpPr>
+          <p:cNvPr id="19" name="Oval 18"/>
+          <p:cNvSpPr/>
+          <p:nvPr/>
+        </p:nvSpPr>
+        <p:spPr>
+          <a:xfrm>
+            <a:off x="6701782" y="2572114"/>
+            <a:ext cx="1024275" cy="957038"/>
+          </a:xfrm>
+          <a:prstGeom prst="ellipse">
+            <a:avLst/>
+          </a:prstGeom>
+          <a:solidFill>
+            <a:srgbClr val="0000FF"/>
+          </a:solidFill>
+          <a:ln>
+            <a:solidFill>
+              <a:srgbClr val="000000"/>
+            </a:solidFill>
+          </a:ln>
+        </p:spPr>
+        <p:style>
+          <a:lnRef idx="1">
+            <a:schemeClr val="accent1"/>
+          </a:lnRef>
+          <a:fillRef idx="3">
+            <a:schemeClr val="accent1"/>
+          </a:fillRef>
+          <a:effectRef idx="2">
+            <a:schemeClr val="accent1"/>
+          </a:effectRef>
+          <a:fontRef idx="minor">
+            <a:schemeClr val="lt1"/>
+          </a:fontRef>
+        </p:style>
+        <p:txBody>
+          <a:bodyPr rtlCol="0" anchor="ctr"/>
+          <a:lstStyle/>
+          <a:p>
+            <a:pPr algn="r"/>
+            <a:endParaRPr lang="en-US" dirty="0"/>
+          </a:p>
+        </p:txBody>
+      </p:sp>
+      <p:sp>
+        <p:nvSpPr>
+          <p:cNvPr id="20" name="Regular Pentagon 19"/>
+          <p:cNvSpPr/>
+          <p:nvPr/>
+        </p:nvSpPr>
+        <p:spPr>
+          <a:xfrm>
+            <a:off x="6701782" y="299877"/>
+            <a:ext cx="1024275" cy="957038"/>
+          </a:xfrm>
+          <a:prstGeom prst="pentagon">
+            <a:avLst/>
+          </a:prstGeom>
+          <a:solidFill>
+            <a:srgbClr val="0000FF"/>
           </a:solidFill>
           <a:ln>
             <a:solidFill>
